--- a/Презентация.pptx
+++ b/Презентация.pptx
@@ -6197,23 +6197,129 @@
           </a:p>
         </p:txBody>
       </p:sp>
+      <p:sp>
+        <p:nvSpPr>
+          <p:cNvPr id="2" name="Объект 1"/>
+          <p:cNvSpPr>
+            <a:spLocks noGrp="1"/>
+          </p:cNvSpPr>
+          <p:nvPr>
+            <p:ph idx="1"/>
+          </p:nvPr>
+        </p:nvSpPr>
+        <p:spPr>
+          <a:xfrm>
+            <a:off x="1619671" y="5875284"/>
+            <a:ext cx="6770791" cy="791166"/>
+          </a:xfrm>
+        </p:spPr>
+        <p:txBody>
+          <a:bodyPr numCol="2">
+            <a:normAutofit fontScale="85000" lnSpcReduction="10000"/>
+          </a:bodyPr>
+          <a:lstStyle/>
+          <a:p>
+            <a:r>
+              <a:rPr lang="en-US" sz="1600" dirty="0"/>
+              <a:t>User (</a:t>
+            </a:r>
+            <a:r>
+              <a:rPr lang="ru-RU" sz="1600" dirty="0"/>
+              <a:t>хранит данные о пользователях)</a:t>
+            </a:r>
+          </a:p>
+          <a:p>
+            <a:r>
+              <a:rPr lang="en-US" sz="1600" dirty="0"/>
+              <a:t>Order (</a:t>
+            </a:r>
+            <a:r>
+              <a:rPr lang="ru-RU" sz="1600" dirty="0"/>
+              <a:t>хранит данные о заказе</a:t>
+            </a:r>
+            <a:r>
+              <a:rPr lang="en-US" sz="1600" dirty="0"/>
+              <a:t>)</a:t>
+            </a:r>
+            <a:endParaRPr lang="ru-RU" sz="1600" dirty="0"/>
+          </a:p>
+          <a:p>
+            <a:r>
+              <a:rPr lang="en-US" sz="1600" dirty="0"/>
+              <a:t>Order</a:t>
+            </a:r>
+            <a:r>
+              <a:rPr lang="ru-RU" sz="1600" dirty="0"/>
+              <a:t>_</a:t>
+            </a:r>
+            <a:r>
+              <a:rPr lang="en-US" sz="1600" dirty="0"/>
+              <a:t>products (</a:t>
+            </a:r>
+            <a:r>
+              <a:rPr lang="ru-RU" sz="1600" dirty="0"/>
+              <a:t>хранит данные о продукции в заказе</a:t>
+            </a:r>
+            <a:r>
+              <a:rPr lang="en-US" sz="1600" dirty="0"/>
+              <a:t>)</a:t>
+            </a:r>
+          </a:p>
+          <a:p>
+            <a:r>
+              <a:rPr lang="en-US" sz="1600" dirty="0"/>
+              <a:t>Product (</a:t>
+            </a:r>
+            <a:r>
+              <a:rPr lang="ru-RU" sz="1600" dirty="0"/>
+              <a:t>хранит данные о продукции</a:t>
+            </a:r>
+            <a:r>
+              <a:rPr lang="en-US" sz="1600" dirty="0"/>
+              <a:t>)</a:t>
+            </a:r>
+            <a:endParaRPr lang="ru-RU" sz="1600" dirty="0"/>
+          </a:p>
+          <a:p>
+            <a:r>
+              <a:rPr lang="en-US" sz="1600" dirty="0"/>
+              <a:t>Card (</a:t>
+            </a:r>
+            <a:r>
+              <a:rPr lang="ru-RU" sz="1600" dirty="0"/>
+              <a:t>хранит информацию </a:t>
+            </a:r>
+            <a:r>
+              <a:rPr lang="en-US" sz="1600" dirty="0"/>
+              <a:t>o </a:t>
+            </a:r>
+            <a:r>
+              <a:rPr lang="ru-RU" sz="1600" dirty="0"/>
+              <a:t>корзине</a:t>
+            </a:r>
+            <a:r>
+              <a:rPr lang="en-US" sz="1600" dirty="0"/>
+              <a:t>)</a:t>
+            </a:r>
+          </a:p>
+        </p:txBody>
+      </p:sp>
       <p:pic>
         <p:nvPicPr>
-          <p:cNvPr id="4" name="Рисунок 3" descr="ER-модель">
+          <p:cNvPr id="6" name="Рисунок 5">
             <a:extLst>
               <a:ext uri="{FF2B5EF4-FFF2-40B4-BE49-F238E27FC236}">
-                <a16:creationId xmlns:a16="http://schemas.microsoft.com/office/drawing/2014/main" id="{31CECE8D-3DB1-43A4-8EC1-2D8985C96FC5}"/>
+                <a16:creationId xmlns:a16="http://schemas.microsoft.com/office/drawing/2014/main" id="{CA74FBAA-1086-40BC-89A5-D4E6B17764C8}"/>
               </a:ext>
             </a:extLst>
           </p:cNvPr>
           <p:cNvPicPr>
-            <a:picLocks noGrp="1" noChangeAspect="1"/>
+            <a:picLocks noChangeAspect="1"/>
           </p:cNvPicPr>
-          <p:nvPr isPhoto="1"/>
+          <p:nvPr/>
         </p:nvPicPr>
         <p:blipFill>
           <a:blip r:embed="rId3">
-            <a:lum/>
             <a:extLst>
               <a:ext uri="{28A0092B-C50C-407E-A947-70E740481C1C}">
                 <a14:useLocalDpi xmlns:a14="http://schemas.microsoft.com/office/drawing/2010/main" val="0"/>
@@ -6226,121 +6332,14 @@
         </p:blipFill>
         <p:spPr>
           <a:xfrm>
-            <a:off x="826687" y="1196752"/>
-            <a:ext cx="7563776" cy="4678532"/>
+            <a:off x="809836" y="1107296"/>
+            <a:ext cx="7596336" cy="4767988"/>
           </a:xfrm>
           <a:prstGeom prst="rect">
             <a:avLst/>
           </a:prstGeom>
         </p:spPr>
       </p:pic>
-      <p:sp>
-        <p:nvSpPr>
-          <p:cNvPr id="2" name="Объект 1"/>
-          <p:cNvSpPr>
-            <a:spLocks noGrp="1"/>
-          </p:cNvSpPr>
-          <p:nvPr>
-            <p:ph idx="1"/>
-          </p:nvPr>
-        </p:nvSpPr>
-        <p:spPr>
-          <a:xfrm>
-            <a:off x="1619671" y="5875284"/>
-            <a:ext cx="6770791" cy="791166"/>
-          </a:xfrm>
-        </p:spPr>
-        <p:txBody>
-          <a:bodyPr numCol="2">
-            <a:normAutofit fontScale="85000" lnSpcReduction="10000"/>
-          </a:bodyPr>
-          <a:lstStyle/>
-          <a:p>
-            <a:r>
-              <a:rPr lang="en-US" sz="1600" dirty="0"/>
-              <a:t>User (</a:t>
-            </a:r>
-            <a:r>
-              <a:rPr lang="ru-RU" sz="1600" dirty="0"/>
-              <a:t>хранит данные о пользователях)</a:t>
-            </a:r>
-          </a:p>
-          <a:p>
-            <a:r>
-              <a:rPr lang="en-US" sz="1600" dirty="0"/>
-              <a:t>Order (</a:t>
-            </a:r>
-            <a:r>
-              <a:rPr lang="ru-RU" sz="1600" dirty="0"/>
-              <a:t>хранит данные о заказе</a:t>
-            </a:r>
-            <a:r>
-              <a:rPr lang="en-US" sz="1600" dirty="0"/>
-              <a:t>)</a:t>
-            </a:r>
-            <a:endParaRPr lang="ru-RU" sz="1600" dirty="0"/>
-          </a:p>
-          <a:p>
-            <a:r>
-              <a:rPr lang="en-US" sz="1600" dirty="0"/>
-              <a:t>Order</a:t>
-            </a:r>
-            <a:r>
-              <a:rPr lang="ru-RU" sz="1600" dirty="0"/>
-              <a:t>_</a:t>
-            </a:r>
-            <a:r>
-              <a:rPr lang="en-US" sz="1600" dirty="0"/>
-              <a:t>products (</a:t>
-            </a:r>
-            <a:r>
-              <a:rPr lang="ru-RU" sz="1600" dirty="0"/>
-              <a:t>хранит данные о продукции в заказе</a:t>
-            </a:r>
-            <a:r>
-              <a:rPr lang="en-US" sz="1600" dirty="0"/>
-              <a:t>)</a:t>
-            </a:r>
-          </a:p>
-          <a:p>
-            <a:r>
-              <a:rPr lang="en-US" sz="1600" dirty="0"/>
-              <a:t>Product (</a:t>
-            </a:r>
-            <a:r>
-              <a:rPr lang="ru-RU" sz="1600" dirty="0"/>
-              <a:t>хранит данные о продукции</a:t>
-            </a:r>
-            <a:r>
-              <a:rPr lang="en-US" sz="1600" dirty="0"/>
-              <a:t>)</a:t>
-            </a:r>
-            <a:endParaRPr lang="ru-RU" sz="1600" dirty="0"/>
-          </a:p>
-          <a:p>
-            <a:r>
-              <a:rPr lang="en-US" sz="1600" dirty="0"/>
-              <a:t>Card (</a:t>
-            </a:r>
-            <a:r>
-              <a:rPr lang="ru-RU" sz="1600" dirty="0"/>
-              <a:t>хранит информацию </a:t>
-            </a:r>
-            <a:r>
-              <a:rPr lang="en-US" sz="1600" dirty="0"/>
-              <a:t>o </a:t>
-            </a:r>
-            <a:r>
-              <a:rPr lang="ru-RU" sz="1600" dirty="0"/>
-              <a:t>корзине</a:t>
-            </a:r>
-            <a:r>
-              <a:rPr lang="en-US" sz="1600" dirty="0"/>
-              <a:t>)</a:t>
-            </a:r>
-          </a:p>
-        </p:txBody>
-      </p:sp>
     </p:spTree>
     <p:extLst>
       <p:ext uri="{BB962C8B-B14F-4D97-AF65-F5344CB8AC3E}">
@@ -6866,17 +6865,17 @@
         </p:blipFill>
         <p:spPr>
           <a:xfrm>
-            <a:off x="683567" y="1952914"/>
-            <a:ext cx="7704783" cy="4428414"/>
+            <a:off x="683567" y="1772816"/>
+            <a:ext cx="7704783" cy="4608512"/>
           </a:xfrm>
         </p:spPr>
       </p:pic>
       <p:pic>
         <p:nvPicPr>
-          <p:cNvPr id="6" name="Рисунок 5">
+          <p:cNvPr id="7" name="Рисунок 6">
             <a:extLst>
               <a:ext uri="{FF2B5EF4-FFF2-40B4-BE49-F238E27FC236}">
-                <a16:creationId xmlns:a16="http://schemas.microsoft.com/office/drawing/2014/main" id="{934BD180-F0C9-4934-A268-4422ED0061A1}"/>
+                <a16:creationId xmlns:a16="http://schemas.microsoft.com/office/drawing/2014/main" id="{121208DB-6FF3-439F-8838-6BF84B30C447}"/>
               </a:ext>
             </a:extLst>
           </p:cNvPr>
@@ -6887,13 +6886,13 @@
         </p:nvPicPr>
         <p:blipFill rotWithShape="1">
           <a:blip r:embed="rId3"/>
-          <a:srcRect l="13373" t="6103" r="8657"/>
+          <a:srcRect r="17314"/>
           <a:stretch/>
         </p:blipFill>
         <p:spPr>
           <a:xfrm>
-            <a:off x="1133078" y="1988840"/>
-            <a:ext cx="7129462" cy="4245563"/>
+            <a:off x="755650" y="1832809"/>
+            <a:ext cx="7560766" cy="4488526"/>
           </a:xfrm>
           <a:prstGeom prst="rect">
             <a:avLst/>
